--- a/published/lectures/01-intro/slides-wang.pptx
+++ b/published/lectures/01-intro/slides-wang.pptx
@@ -344,7 +344,7 @@
               <a:pPr>
                 <a:defRPr/>
               </a:pPr>
-              <a:t>1/1/2021</a:t>
+              <a:t>1/4/2021</a:t>
             </a:fld>
             <a:endParaRPr lang="en-US"/>
           </a:p>
@@ -1634,7 +1634,7 @@
               <a:pPr>
                 <a:defRPr/>
               </a:pPr>
-              <a:t>1/1/2021</a:t>
+              <a:t>1/4/2021</a:t>
             </a:fld>
             <a:endParaRPr lang="en-US"/>
           </a:p>
@@ -1878,7 +1878,7 @@
           <a:p>
             <a:fld id="{344494C4-6097-4BA9-B81C-8FE8D10E85BA}" type="datetimeFigureOut">
               <a:rPr lang="en-US" smtClean="0"/>
-              <a:t>1/1/2021</a:t>
+              <a:t>1/4/2021</a:t>
             </a:fld>
             <a:endParaRPr lang="en-US"/>
           </a:p>
@@ -2123,7 +2123,7 @@
           <a:p>
             <a:fld id="{344494C4-6097-4BA9-B81C-8FE8D10E85BA}" type="datetimeFigureOut">
               <a:rPr lang="en-US" smtClean="0"/>
-              <a:t>1/1/2021</a:t>
+              <a:t>1/4/2021</a:t>
             </a:fld>
             <a:endParaRPr lang="en-US"/>
           </a:p>
@@ -2503,7 +2503,7 @@
           <a:p>
             <a:fld id="{344494C4-6097-4BA9-B81C-8FE8D10E85BA}" type="datetimeFigureOut">
               <a:rPr lang="en-US" smtClean="0"/>
-              <a:t>1/1/2021</a:t>
+              <a:t>1/4/2021</a:t>
             </a:fld>
             <a:endParaRPr lang="en-US"/>
           </a:p>
@@ -2636,7 +2636,7 @@
           <a:p>
             <a:fld id="{344494C4-6097-4BA9-B81C-8FE8D10E85BA}" type="datetimeFigureOut">
               <a:rPr lang="en-US" smtClean="0"/>
-              <a:t>1/1/2021</a:t>
+              <a:t>1/4/2021</a:t>
             </a:fld>
             <a:endParaRPr lang="en-US"/>
           </a:p>
@@ -2747,7 +2747,7 @@
           <a:p>
             <a:fld id="{344494C4-6097-4BA9-B81C-8FE8D10E85BA}" type="datetimeFigureOut">
               <a:rPr lang="en-US" smtClean="0"/>
-              <a:t>1/1/2021</a:t>
+              <a:t>1/4/2021</a:t>
             </a:fld>
             <a:endParaRPr lang="en-US"/>
           </a:p>
@@ -3038,7 +3038,7 @@
           <a:p>
             <a:fld id="{344494C4-6097-4BA9-B81C-8FE8D10E85BA}" type="datetimeFigureOut">
               <a:rPr lang="en-US" smtClean="0"/>
-              <a:t>1/1/2021</a:t>
+              <a:t>1/4/2021</a:t>
             </a:fld>
             <a:endParaRPr lang="en-US"/>
           </a:p>
@@ -3306,7 +3306,7 @@
           <a:p>
             <a:fld id="{344494C4-6097-4BA9-B81C-8FE8D10E85BA}" type="datetimeFigureOut">
               <a:rPr lang="en-US" smtClean="0"/>
-              <a:t>1/1/2021</a:t>
+              <a:t>1/4/2021</a:t>
             </a:fld>
             <a:endParaRPr lang="en-US"/>
           </a:p>
@@ -3490,7 +3490,7 @@
           <a:p>
             <a:fld id="{344494C4-6097-4BA9-B81C-8FE8D10E85BA}" type="datetimeFigureOut">
               <a:rPr lang="en-US" smtClean="0"/>
-              <a:t>1/1/2021</a:t>
+              <a:t>1/4/2021</a:t>
             </a:fld>
             <a:endParaRPr lang="en-US"/>
           </a:p>
@@ -3684,7 +3684,7 @@
           <a:p>
             <a:fld id="{344494C4-6097-4BA9-B81C-8FE8D10E85BA}" type="datetimeFigureOut">
               <a:rPr lang="en-US" smtClean="0"/>
-              <a:t>1/1/2021</a:t>
+              <a:t>1/4/2021</a:t>
             </a:fld>
             <a:endParaRPr lang="en-US"/>
           </a:p>
@@ -3882,7 +3882,7 @@
           <a:p>
             <a:fld id="{7BF7D500-1223-4445-9EB2-2C72C770F9EB}" type="datetimeFigureOut">
               <a:rPr lang="en-US" smtClean="0"/>
-              <a:t>1/1/2021</a:t>
+              <a:t>1/4/2021</a:t>
             </a:fld>
             <a:endParaRPr lang="en-US"/>
           </a:p>
@@ -4065,7 +4065,7 @@
               <a:pPr>
                 <a:defRPr/>
               </a:pPr>
-              <a:t>1/1/2021</a:t>
+              <a:t>1/4/2021</a:t>
             </a:fld>
             <a:endParaRPr lang="en-US"/>
           </a:p>
@@ -4219,7 +4219,7 @@
           <a:p>
             <a:fld id="{7BF7D500-1223-4445-9EB2-2C72C770F9EB}" type="datetimeFigureOut">
               <a:rPr lang="en-US" smtClean="0"/>
-              <a:t>1/1/2021</a:t>
+              <a:t>1/4/2021</a:t>
             </a:fld>
             <a:endParaRPr lang="en-US"/>
           </a:p>
@@ -4464,7 +4464,7 @@
           <a:p>
             <a:fld id="{7BF7D500-1223-4445-9EB2-2C72C770F9EB}" type="datetimeFigureOut">
               <a:rPr lang="en-US" smtClean="0"/>
-              <a:t>1/1/2021</a:t>
+              <a:t>1/4/2021</a:t>
             </a:fld>
             <a:endParaRPr lang="en-US"/>
           </a:p>
@@ -4693,7 +4693,7 @@
           <a:p>
             <a:fld id="{7BF7D500-1223-4445-9EB2-2C72C770F9EB}" type="datetimeFigureOut">
               <a:rPr lang="en-US" smtClean="0"/>
-              <a:t>1/1/2021</a:t>
+              <a:t>1/4/2021</a:t>
             </a:fld>
             <a:endParaRPr lang="en-US"/>
           </a:p>
@@ -5057,7 +5057,7 @@
           <a:p>
             <a:fld id="{7BF7D500-1223-4445-9EB2-2C72C770F9EB}" type="datetimeFigureOut">
               <a:rPr lang="en-US" smtClean="0"/>
-              <a:t>1/1/2021</a:t>
+              <a:t>1/4/2021</a:t>
             </a:fld>
             <a:endParaRPr lang="en-US"/>
           </a:p>
@@ -5174,7 +5174,7 @@
           <a:p>
             <a:fld id="{7BF7D500-1223-4445-9EB2-2C72C770F9EB}" type="datetimeFigureOut">
               <a:rPr lang="en-US" smtClean="0"/>
-              <a:t>1/1/2021</a:t>
+              <a:t>1/4/2021</a:t>
             </a:fld>
             <a:endParaRPr lang="en-US"/>
           </a:p>
@@ -5269,7 +5269,7 @@
           <a:p>
             <a:fld id="{7BF7D500-1223-4445-9EB2-2C72C770F9EB}" type="datetimeFigureOut">
               <a:rPr lang="en-US" smtClean="0"/>
-              <a:t>1/1/2021</a:t>
+              <a:t>1/4/2021</a:t>
             </a:fld>
             <a:endParaRPr lang="en-US"/>
           </a:p>
@@ -5544,7 +5544,7 @@
           <a:p>
             <a:fld id="{7BF7D500-1223-4445-9EB2-2C72C770F9EB}" type="datetimeFigureOut">
               <a:rPr lang="en-US" smtClean="0"/>
-              <a:t>1/1/2021</a:t>
+              <a:t>1/4/2021</a:t>
             </a:fld>
             <a:endParaRPr lang="en-US"/>
           </a:p>
@@ -5796,7 +5796,7 @@
           <a:p>
             <a:fld id="{7BF7D500-1223-4445-9EB2-2C72C770F9EB}" type="datetimeFigureOut">
               <a:rPr lang="en-US" smtClean="0"/>
-              <a:t>1/1/2021</a:t>
+              <a:t>1/4/2021</a:t>
             </a:fld>
             <a:endParaRPr lang="en-US"/>
           </a:p>
@@ -5964,7 +5964,7 @@
           <a:p>
             <a:fld id="{7BF7D500-1223-4445-9EB2-2C72C770F9EB}" type="datetimeFigureOut">
               <a:rPr lang="en-US" smtClean="0"/>
-              <a:t>1/1/2021</a:t>
+              <a:t>1/4/2021</a:t>
             </a:fld>
             <a:endParaRPr lang="en-US"/>
           </a:p>
@@ -6142,7 +6142,7 @@
           <a:p>
             <a:fld id="{7BF7D500-1223-4445-9EB2-2C72C770F9EB}" type="datetimeFigureOut">
               <a:rPr lang="en-US" smtClean="0"/>
-              <a:t>1/1/2021</a:t>
+              <a:t>1/4/2021</a:t>
             </a:fld>
             <a:endParaRPr lang="en-US"/>
           </a:p>
@@ -6386,7 +6386,7 @@
               <a:pPr>
                 <a:defRPr/>
               </a:pPr>
-              <a:t>1/1/2021</a:t>
+              <a:t>1/4/2021</a:t>
             </a:fld>
             <a:endParaRPr lang="en-US"/>
           </a:p>
@@ -6736,7 +6736,7 @@
               <a:pPr>
                 <a:defRPr/>
               </a:pPr>
-              <a:t>1/1/2021</a:t>
+              <a:t>1/4/2021</a:t>
             </a:fld>
             <a:endParaRPr lang="en-US"/>
           </a:p>
@@ -6900,7 +6900,7 @@
               <a:pPr>
                 <a:defRPr/>
               </a:pPr>
-              <a:t>1/1/2021</a:t>
+              <a:t>1/4/2021</a:t>
             </a:fld>
             <a:endParaRPr lang="en-US"/>
           </a:p>
@@ -6991,7 +6991,7 @@
               <a:pPr>
                 <a:defRPr/>
               </a:pPr>
-              <a:t>1/1/2021</a:t>
+              <a:t>1/4/2021</a:t>
             </a:fld>
             <a:endParaRPr lang="en-US"/>
           </a:p>
@@ -7100,7 +7100,7 @@
               <a:pPr>
                 <a:defRPr/>
               </a:pPr>
-              <a:t>1/1/2021</a:t>
+              <a:t>1/4/2021</a:t>
             </a:fld>
             <a:endParaRPr lang="en-US"/>
           </a:p>
@@ -7285,7 +7285,7 @@
           <a:p>
             <a:fld id="{344494C4-6097-4BA9-B81C-8FE8D10E85BA}" type="datetimeFigureOut">
               <a:rPr lang="en-US" smtClean="0"/>
-              <a:t>1/1/2021</a:t>
+              <a:t>1/4/2021</a:t>
             </a:fld>
             <a:endParaRPr lang="en-US"/>
           </a:p>
@@ -7469,7 +7469,7 @@
           <a:p>
             <a:fld id="{344494C4-6097-4BA9-B81C-8FE8D10E85BA}" type="datetimeFigureOut">
               <a:rPr lang="en-US" smtClean="0"/>
-              <a:t>1/1/2021</a:t>
+              <a:t>1/4/2021</a:t>
             </a:fld>
             <a:endParaRPr lang="en-US"/>
           </a:p>
@@ -7718,7 +7718,7 @@
               <a:pPr>
                 <a:defRPr/>
               </a:pPr>
-              <a:t>1/1/2021</a:t>
+              <a:t>1/4/2021</a:t>
             </a:fld>
             <a:endParaRPr lang="en-US"/>
           </a:p>
@@ -8972,7 +8972,7 @@
           <a:p>
             <a:fld id="{7BF7D500-1223-4445-9EB2-2C72C770F9EB}" type="datetimeFigureOut">
               <a:rPr lang="en-US" smtClean="0"/>
-              <a:t>1/1/2021</a:t>
+              <a:t>1/4/2021</a:t>
             </a:fld>
             <a:endParaRPr lang="en-US"/>
           </a:p>
@@ -11125,7 +11125,7 @@
           <a:p>
             <a:r>
               <a:rPr lang="en-US" dirty="0"/>
-              <a:t>Old Faithful </a:t>
+              <a:t>Old Faithful Geyser </a:t>
             </a:r>
           </a:p>
         </p:txBody>
@@ -14545,8 +14545,8 @@
           </a:p>
         </p:txBody>
       </p:sp>
-      <mc:AlternateContent xmlns:mc="http://schemas.openxmlformats.org/markup-compatibility/2006" xmlns:a14="http://schemas.microsoft.com/office/drawing/2010/main">
-        <mc:Choice Requires="a14">
+      <mc:AlternateContent xmlns:mc="http://schemas.openxmlformats.org/markup-compatibility/2006">
+        <mc:Choice xmlns:a14="http://schemas.microsoft.com/office/drawing/2010/main" Requires="a14">
           <p:sp>
             <p:nvSpPr>
               <p:cNvPr id="3" name="Content Placeholder 2">
@@ -14611,7 +14611,7 @@
                 </a14:m>
                 <a:r>
                   <a:rPr lang="en-US" dirty="0"/>
-                  <a:t> millisecond </a:t>
+                  <a:t> second </a:t>
                 </a:r>
               </a:p>
               <a:p>
@@ -14678,7 +14678,7 @@
             </p:txBody>
           </p:sp>
         </mc:Choice>
-        <mc:Fallback xmlns="">
+        <mc:Fallback>
           <p:sp>
             <p:nvSpPr>
               <p:cNvPr id="3" name="Content Placeholder 2">
@@ -14699,7 +14699,7 @@
               <a:blipFill>
                 <a:blip r:embed="rId2"/>
                 <a:stretch>
-                  <a:fillRect l="-667" t="-1111"/>
+                  <a:fillRect l="-667" t="-1111" r="-963"/>
                 </a:stretch>
               </a:blipFill>
             </p:spPr>
@@ -15490,7 +15490,15 @@
             </a:r>
             <a:r>
               <a:rPr lang="en-US" dirty="0"/>
-              <a:t> on how the ``count” changes with input size</a:t>
+              <a:t> on how the ``count” changes with input size (</a:t>
+            </a:r>
+            <a:r>
+              <a:rPr lang="en-US" dirty="0" err="1"/>
+              <a:t>i.e</a:t>
+            </a:r>
+            <a:r>
+              <a:rPr lang="en-US" dirty="0"/>
+              <a:t>, growth w.r.t input size)</a:t>
             </a:r>
           </a:p>
           <a:p>
@@ -16399,7 +16407,7 @@
               <a:p>
                 <a:r>
                   <a:rPr lang="en-US" dirty="0"/>
-                  <a:t>First abstraction: depending on input size</a:t>
+                  <a:t>First abstraction: depending on input size </a:t>
                 </a:r>
               </a:p>
               <a:p>
@@ -16472,7 +16480,10 @@
                     </m:d>
                   </m:oMath>
                 </a14:m>
-                <a:endParaRPr lang="en-US" dirty="0"/>
+                <a:r>
+                  <a:rPr lang="en-US" dirty="0"/>
+                  <a:t> to capture growth of the running time w.r.t input size</a:t>
+                </a:r>
               </a:p>
               <a:p>
                 <a:pPr lvl="1"/>
@@ -16524,15 +16535,7 @@
                 </a14:m>
                 <a:r>
                   <a:rPr lang="en-US" dirty="0"/>
-                  <a:t>, </a:t>
-                </a:r>
-                <a:r>
-                  <a:rPr lang="en-US" dirty="0" err="1"/>
-                  <a:t>asscess</a:t>
-                </a:r>
-                <a:r>
-                  <a:rPr lang="en-US" dirty="0"/>
-                  <a:t> </a:t>
+                  <a:t>, access </a:t>
                 </a:r>
                 <a14:m>
                   <m:oMath xmlns:m="http://schemas.openxmlformats.org/officeDocument/2006/math">
@@ -16843,8 +16846,8 @@
           </a:p>
         </p:txBody>
       </p:sp>
-      <mc:AlternateContent xmlns:mc="http://schemas.openxmlformats.org/markup-compatibility/2006" xmlns:a14="http://schemas.microsoft.com/office/drawing/2010/main">
-        <mc:Choice Requires="a14">
+      <mc:AlternateContent xmlns:mc="http://schemas.openxmlformats.org/markup-compatibility/2006">
+        <mc:Choice xmlns:a14="http://schemas.microsoft.com/office/drawing/2010/main" Requires="a14">
           <p:sp>
             <p:nvSpPr>
               <p:cNvPr id="3" name="Content Placeholder 2">
@@ -17011,7 +17014,7 @@
                           <a:rPr lang="en-US" b="0" i="1" smtClean="0">
                             <a:latin typeface="Cambria Math" panose="02040503050406030204" pitchFamily="18" charset="0"/>
                           </a:rPr>
-                          <m:t>=1</m:t>
+                          <m:t>=0</m:t>
                         </m:r>
                       </m:sub>
                       <m:sup>
@@ -17020,6 +17023,12 @@
                             <a:latin typeface="Cambria Math" panose="02040503050406030204" pitchFamily="18" charset="0"/>
                           </a:rPr>
                           <m:t>𝑛</m:t>
+                        </m:r>
+                        <m:r>
+                          <a:rPr lang="en-US" b="0" i="1" smtClean="0">
+                            <a:latin typeface="Cambria Math" panose="02040503050406030204" pitchFamily="18" charset="0"/>
+                          </a:rPr>
+                          <m:t>−1</m:t>
                         </m:r>
                       </m:sup>
                       <m:e>
@@ -17218,7 +17227,7 @@
             </p:txBody>
           </p:sp>
         </mc:Choice>
-        <mc:Fallback xmlns="">
+        <mc:Fallback>
           <p:sp>
             <p:nvSpPr>
               <p:cNvPr id="3" name="Content Placeholder 2">
@@ -17243,7 +17252,7 @@
               <a:blipFill>
                 <a:blip r:embed="rId2"/>
                 <a:stretch>
-                  <a:fillRect l="-685" t="-1111" b="-11358"/>
+                  <a:fillRect l="-685" t="-1111" b="-11728"/>
                 </a:stretch>
               </a:blipFill>
             </p:spPr>
@@ -17637,7 +17646,7 @@
                 </a:solidFill>
                 <a:latin typeface="FiraMono-Regular-Identity-H"/>
               </a:rPr>
-              <a:t>[1,n]:</a:t>
+              <a:t>[0,n-1]:</a:t>
             </a:r>
           </a:p>
           <a:p>
@@ -19180,55 +19189,6 @@
                       </p:childTnLst>
                     </p:cTn>
                   </p:par>
-                  <p:par>
-                    <p:cTn id="15" fill="hold">
-                      <p:stCondLst>
-                        <p:cond delay="indefinite"/>
-                      </p:stCondLst>
-                      <p:childTnLst>
-                        <p:par>
-                          <p:cTn id="16" fill="hold">
-                            <p:stCondLst>
-                              <p:cond delay="0"/>
-                            </p:stCondLst>
-                            <p:childTnLst>
-                              <p:par>
-                                <p:cTn id="17" presetID="1" presetClass="entr" presetSubtype="0" fill="hold" nodeType="clickEffect">
-                                  <p:stCondLst>
-                                    <p:cond delay="0"/>
-                                  </p:stCondLst>
-                                  <p:childTnLst>
-                                    <p:set>
-                                      <p:cBhvr>
-                                        <p:cTn id="18" dur="1" fill="hold">
-                                          <p:stCondLst>
-                                            <p:cond delay="0"/>
-                                          </p:stCondLst>
-                                        </p:cTn>
-                                        <p:tgtEl>
-                                          <p:spTgt spid="3">
-                                            <p:txEl>
-                                              <p:pRg st="10" end="10"/>
-                                            </p:txEl>
-                                          </p:spTgt>
-                                        </p:tgtEl>
-                                        <p:attrNameLst>
-                                          <p:attrName>style.visibility</p:attrName>
-                                        </p:attrNameLst>
-                                      </p:cBhvr>
-                                      <p:to>
-                                        <p:strVal val="visible"/>
-                                      </p:to>
-                                    </p:set>
-                                  </p:childTnLst>
-                                </p:cTn>
-                              </p:par>
-                            </p:childTnLst>
-                          </p:cTn>
-                        </p:par>
-                      </p:childTnLst>
-                    </p:cTn>
-                  </p:par>
                 </p:childTnLst>
               </p:cTn>
               <p:prevCondLst>
@@ -20129,8 +20089,8 @@
           </a:p>
         </p:txBody>
       </p:sp>
-      <mc:AlternateContent xmlns:mc="http://schemas.openxmlformats.org/markup-compatibility/2006" xmlns:a14="http://schemas.microsoft.com/office/drawing/2010/main">
-        <mc:Choice Requires="a14">
+      <mc:AlternateContent xmlns:mc="http://schemas.openxmlformats.org/markup-compatibility/2006">
+        <mc:Choice xmlns:a14="http://schemas.microsoft.com/office/drawing/2010/main" Requires="a14">
           <p:sp>
             <p:nvSpPr>
               <p:cNvPr id="3" name="Content Placeholder 2">
@@ -20297,7 +20257,7 @@
                           <a:rPr lang="en-US" b="0" i="1" smtClean="0">
                             <a:latin typeface="Cambria Math" panose="02040503050406030204" pitchFamily="18" charset="0"/>
                           </a:rPr>
-                          <m:t>=1</m:t>
+                          <m:t>=0</m:t>
                         </m:r>
                       </m:sub>
                       <m:sup>
@@ -20306,6 +20266,12 @@
                             <a:latin typeface="Cambria Math" panose="02040503050406030204" pitchFamily="18" charset="0"/>
                           </a:rPr>
                           <m:t>𝑛</m:t>
+                        </m:r>
+                        <m:r>
+                          <a:rPr lang="en-US" b="0" i="1" smtClean="0">
+                            <a:latin typeface="Cambria Math" panose="02040503050406030204" pitchFamily="18" charset="0"/>
+                          </a:rPr>
+                          <m:t>−1</m:t>
                         </m:r>
                       </m:sup>
                       <m:e>
@@ -20537,7 +20503,7 @@
             </p:txBody>
           </p:sp>
         </mc:Choice>
-        <mc:Fallback xmlns="">
+        <mc:Fallback>
           <p:sp>
             <p:nvSpPr>
               <p:cNvPr id="3" name="Content Placeholder 2">
@@ -20562,7 +20528,7 @@
               <a:blipFill>
                 <a:blip r:embed="rId2"/>
                 <a:stretch>
-                  <a:fillRect l="-685" t="-1111" b="-11358"/>
+                  <a:fillRect l="-685" t="-1111" b="-11728"/>
                 </a:stretch>
               </a:blipFill>
             </p:spPr>
@@ -20956,7 +20922,7 @@
                 </a:solidFill>
                 <a:latin typeface="FiraMono-Regular-Identity-H"/>
               </a:rPr>
-              <a:t>[1,n]:</a:t>
+              <a:t>[0,n-1]:</a:t>
             </a:r>
           </a:p>
           <a:p>
@@ -22659,8 +22625,8 @@
           </a:p>
         </p:txBody>
       </p:sp>
-      <mc:AlternateContent xmlns:mc="http://schemas.openxmlformats.org/markup-compatibility/2006" xmlns:a14="http://schemas.microsoft.com/office/drawing/2010/main">
-        <mc:Choice Requires="a14">
+      <mc:AlternateContent xmlns:mc="http://schemas.openxmlformats.org/markup-compatibility/2006">
+        <mc:Choice xmlns:a14="http://schemas.microsoft.com/office/drawing/2010/main" Requires="a14">
           <p:sp>
             <p:nvSpPr>
               <p:cNvPr id="3" name="Content Placeholder 2">
@@ -22684,7 +22650,19 @@
               <a:p>
                 <a:r>
                   <a:rPr lang="en-US" dirty="0"/>
-                  <a:t>Note, it is not true that each single command line in the code will take constant time </a:t>
+                  <a:t>Note, it is </a:t>
+                </a:r>
+                <a:r>
+                  <a:rPr lang="en-US" dirty="0">
+                    <a:solidFill>
+                      <a:srgbClr val="700000"/>
+                    </a:solidFill>
+                  </a:rPr>
+                  <a:t>not true</a:t>
+                </a:r>
+                <a:r>
+                  <a:rPr lang="en-US" dirty="0"/>
+                  <a:t> that each single command line in the code will take constant time </a:t>
                 </a:r>
               </a:p>
               <a:p>
@@ -22873,7 +22851,7 @@
             </p:txBody>
           </p:sp>
         </mc:Choice>
-        <mc:Fallback xmlns="">
+        <mc:Fallback>
           <p:sp>
             <p:nvSpPr>
               <p:cNvPr id="3" name="Content Placeholder 2">
@@ -24766,8 +24744,8 @@
           </a:p>
         </p:txBody>
       </p:sp>
-      <mc:AlternateContent xmlns:mc="http://schemas.openxmlformats.org/markup-compatibility/2006">
-        <mc:Choice xmlns:a14="http://schemas.microsoft.com/office/drawing/2010/main" Requires="a14">
+      <mc:AlternateContent xmlns:mc="http://schemas.openxmlformats.org/markup-compatibility/2006" xmlns:a14="http://schemas.microsoft.com/office/drawing/2010/main">
+        <mc:Choice Requires="a14">
           <p:sp>
             <p:nvSpPr>
               <p:cNvPr id="3" name="Content Placeholder 2">
@@ -24956,7 +24934,7 @@
             </p:txBody>
           </p:sp>
         </mc:Choice>
-        <mc:Fallback>
+        <mc:Fallback xmlns="">
           <p:sp>
             <p:nvSpPr>
               <p:cNvPr id="3" name="Content Placeholder 2">

--- a/published/lectures/01-intro/slides-wang.pptx
+++ b/published/lectures/01-intro/slides-wang.pptx
@@ -344,7 +344,7 @@
               <a:pPr>
                 <a:defRPr/>
               </a:pPr>
-              <a:t>1/4/2021</a:t>
+              <a:t>1/5/2021</a:t>
             </a:fld>
             <a:endParaRPr lang="en-US"/>
           </a:p>
@@ -1634,7 +1634,7 @@
               <a:pPr>
                 <a:defRPr/>
               </a:pPr>
-              <a:t>1/4/2021</a:t>
+              <a:t>1/5/2021</a:t>
             </a:fld>
             <a:endParaRPr lang="en-US"/>
           </a:p>
@@ -1878,7 +1878,7 @@
           <a:p>
             <a:fld id="{344494C4-6097-4BA9-B81C-8FE8D10E85BA}" type="datetimeFigureOut">
               <a:rPr lang="en-US" smtClean="0"/>
-              <a:t>1/4/2021</a:t>
+              <a:t>1/5/2021</a:t>
             </a:fld>
             <a:endParaRPr lang="en-US"/>
           </a:p>
@@ -2123,7 +2123,7 @@
           <a:p>
             <a:fld id="{344494C4-6097-4BA9-B81C-8FE8D10E85BA}" type="datetimeFigureOut">
               <a:rPr lang="en-US" smtClean="0"/>
-              <a:t>1/4/2021</a:t>
+              <a:t>1/5/2021</a:t>
             </a:fld>
             <a:endParaRPr lang="en-US"/>
           </a:p>
@@ -2503,7 +2503,7 @@
           <a:p>
             <a:fld id="{344494C4-6097-4BA9-B81C-8FE8D10E85BA}" type="datetimeFigureOut">
               <a:rPr lang="en-US" smtClean="0"/>
-              <a:t>1/4/2021</a:t>
+              <a:t>1/5/2021</a:t>
             </a:fld>
             <a:endParaRPr lang="en-US"/>
           </a:p>
@@ -2636,7 +2636,7 @@
           <a:p>
             <a:fld id="{344494C4-6097-4BA9-B81C-8FE8D10E85BA}" type="datetimeFigureOut">
               <a:rPr lang="en-US" smtClean="0"/>
-              <a:t>1/4/2021</a:t>
+              <a:t>1/5/2021</a:t>
             </a:fld>
             <a:endParaRPr lang="en-US"/>
           </a:p>
@@ -2747,7 +2747,7 @@
           <a:p>
             <a:fld id="{344494C4-6097-4BA9-B81C-8FE8D10E85BA}" type="datetimeFigureOut">
               <a:rPr lang="en-US" smtClean="0"/>
-              <a:t>1/4/2021</a:t>
+              <a:t>1/5/2021</a:t>
             </a:fld>
             <a:endParaRPr lang="en-US"/>
           </a:p>
@@ -3038,7 +3038,7 @@
           <a:p>
             <a:fld id="{344494C4-6097-4BA9-B81C-8FE8D10E85BA}" type="datetimeFigureOut">
               <a:rPr lang="en-US" smtClean="0"/>
-              <a:t>1/4/2021</a:t>
+              <a:t>1/5/2021</a:t>
             </a:fld>
             <a:endParaRPr lang="en-US"/>
           </a:p>
@@ -3306,7 +3306,7 @@
           <a:p>
             <a:fld id="{344494C4-6097-4BA9-B81C-8FE8D10E85BA}" type="datetimeFigureOut">
               <a:rPr lang="en-US" smtClean="0"/>
-              <a:t>1/4/2021</a:t>
+              <a:t>1/5/2021</a:t>
             </a:fld>
             <a:endParaRPr lang="en-US"/>
           </a:p>
@@ -3490,7 +3490,7 @@
           <a:p>
             <a:fld id="{344494C4-6097-4BA9-B81C-8FE8D10E85BA}" type="datetimeFigureOut">
               <a:rPr lang="en-US" smtClean="0"/>
-              <a:t>1/4/2021</a:t>
+              <a:t>1/5/2021</a:t>
             </a:fld>
             <a:endParaRPr lang="en-US"/>
           </a:p>
@@ -3684,7 +3684,7 @@
           <a:p>
             <a:fld id="{344494C4-6097-4BA9-B81C-8FE8D10E85BA}" type="datetimeFigureOut">
               <a:rPr lang="en-US" smtClean="0"/>
-              <a:t>1/4/2021</a:t>
+              <a:t>1/5/2021</a:t>
             </a:fld>
             <a:endParaRPr lang="en-US"/>
           </a:p>
@@ -3882,7 +3882,7 @@
           <a:p>
             <a:fld id="{7BF7D500-1223-4445-9EB2-2C72C770F9EB}" type="datetimeFigureOut">
               <a:rPr lang="en-US" smtClean="0"/>
-              <a:t>1/4/2021</a:t>
+              <a:t>1/5/2021</a:t>
             </a:fld>
             <a:endParaRPr lang="en-US"/>
           </a:p>
@@ -4065,7 +4065,7 @@
               <a:pPr>
                 <a:defRPr/>
               </a:pPr>
-              <a:t>1/4/2021</a:t>
+              <a:t>1/5/2021</a:t>
             </a:fld>
             <a:endParaRPr lang="en-US"/>
           </a:p>
@@ -4219,7 +4219,7 @@
           <a:p>
             <a:fld id="{7BF7D500-1223-4445-9EB2-2C72C770F9EB}" type="datetimeFigureOut">
               <a:rPr lang="en-US" smtClean="0"/>
-              <a:t>1/4/2021</a:t>
+              <a:t>1/5/2021</a:t>
             </a:fld>
             <a:endParaRPr lang="en-US"/>
           </a:p>
@@ -4464,7 +4464,7 @@
           <a:p>
             <a:fld id="{7BF7D500-1223-4445-9EB2-2C72C770F9EB}" type="datetimeFigureOut">
               <a:rPr lang="en-US" smtClean="0"/>
-              <a:t>1/4/2021</a:t>
+              <a:t>1/5/2021</a:t>
             </a:fld>
             <a:endParaRPr lang="en-US"/>
           </a:p>
@@ -4693,7 +4693,7 @@
           <a:p>
             <a:fld id="{7BF7D500-1223-4445-9EB2-2C72C770F9EB}" type="datetimeFigureOut">
               <a:rPr lang="en-US" smtClean="0"/>
-              <a:t>1/4/2021</a:t>
+              <a:t>1/5/2021</a:t>
             </a:fld>
             <a:endParaRPr lang="en-US"/>
           </a:p>
@@ -5057,7 +5057,7 @@
           <a:p>
             <a:fld id="{7BF7D500-1223-4445-9EB2-2C72C770F9EB}" type="datetimeFigureOut">
               <a:rPr lang="en-US" smtClean="0"/>
-              <a:t>1/4/2021</a:t>
+              <a:t>1/5/2021</a:t>
             </a:fld>
             <a:endParaRPr lang="en-US"/>
           </a:p>
@@ -5174,7 +5174,7 @@
           <a:p>
             <a:fld id="{7BF7D500-1223-4445-9EB2-2C72C770F9EB}" type="datetimeFigureOut">
               <a:rPr lang="en-US" smtClean="0"/>
-              <a:t>1/4/2021</a:t>
+              <a:t>1/5/2021</a:t>
             </a:fld>
             <a:endParaRPr lang="en-US"/>
           </a:p>
@@ -5269,7 +5269,7 @@
           <a:p>
             <a:fld id="{7BF7D500-1223-4445-9EB2-2C72C770F9EB}" type="datetimeFigureOut">
               <a:rPr lang="en-US" smtClean="0"/>
-              <a:t>1/4/2021</a:t>
+              <a:t>1/5/2021</a:t>
             </a:fld>
             <a:endParaRPr lang="en-US"/>
           </a:p>
@@ -5544,7 +5544,7 @@
           <a:p>
             <a:fld id="{7BF7D500-1223-4445-9EB2-2C72C770F9EB}" type="datetimeFigureOut">
               <a:rPr lang="en-US" smtClean="0"/>
-              <a:t>1/4/2021</a:t>
+              <a:t>1/5/2021</a:t>
             </a:fld>
             <a:endParaRPr lang="en-US"/>
           </a:p>
@@ -5796,7 +5796,7 @@
           <a:p>
             <a:fld id="{7BF7D500-1223-4445-9EB2-2C72C770F9EB}" type="datetimeFigureOut">
               <a:rPr lang="en-US" smtClean="0"/>
-              <a:t>1/4/2021</a:t>
+              <a:t>1/5/2021</a:t>
             </a:fld>
             <a:endParaRPr lang="en-US"/>
           </a:p>
@@ -5964,7 +5964,7 @@
           <a:p>
             <a:fld id="{7BF7D500-1223-4445-9EB2-2C72C770F9EB}" type="datetimeFigureOut">
               <a:rPr lang="en-US" smtClean="0"/>
-              <a:t>1/4/2021</a:t>
+              <a:t>1/5/2021</a:t>
             </a:fld>
             <a:endParaRPr lang="en-US"/>
           </a:p>
@@ -6142,7 +6142,7 @@
           <a:p>
             <a:fld id="{7BF7D500-1223-4445-9EB2-2C72C770F9EB}" type="datetimeFigureOut">
               <a:rPr lang="en-US" smtClean="0"/>
-              <a:t>1/4/2021</a:t>
+              <a:t>1/5/2021</a:t>
             </a:fld>
             <a:endParaRPr lang="en-US"/>
           </a:p>
@@ -6386,7 +6386,7 @@
               <a:pPr>
                 <a:defRPr/>
               </a:pPr>
-              <a:t>1/4/2021</a:t>
+              <a:t>1/5/2021</a:t>
             </a:fld>
             <a:endParaRPr lang="en-US"/>
           </a:p>
@@ -6736,7 +6736,7 @@
               <a:pPr>
                 <a:defRPr/>
               </a:pPr>
-              <a:t>1/4/2021</a:t>
+              <a:t>1/5/2021</a:t>
             </a:fld>
             <a:endParaRPr lang="en-US"/>
           </a:p>
@@ -6900,7 +6900,7 @@
               <a:pPr>
                 <a:defRPr/>
               </a:pPr>
-              <a:t>1/4/2021</a:t>
+              <a:t>1/5/2021</a:t>
             </a:fld>
             <a:endParaRPr lang="en-US"/>
           </a:p>
@@ -6991,7 +6991,7 @@
               <a:pPr>
                 <a:defRPr/>
               </a:pPr>
-              <a:t>1/4/2021</a:t>
+              <a:t>1/5/2021</a:t>
             </a:fld>
             <a:endParaRPr lang="en-US"/>
           </a:p>
@@ -7100,7 +7100,7 @@
               <a:pPr>
                 <a:defRPr/>
               </a:pPr>
-              <a:t>1/4/2021</a:t>
+              <a:t>1/5/2021</a:t>
             </a:fld>
             <a:endParaRPr lang="en-US"/>
           </a:p>
@@ -7285,7 +7285,7 @@
           <a:p>
             <a:fld id="{344494C4-6097-4BA9-B81C-8FE8D10E85BA}" type="datetimeFigureOut">
               <a:rPr lang="en-US" smtClean="0"/>
-              <a:t>1/4/2021</a:t>
+              <a:t>1/5/2021</a:t>
             </a:fld>
             <a:endParaRPr lang="en-US"/>
           </a:p>
@@ -7469,7 +7469,7 @@
           <a:p>
             <a:fld id="{344494C4-6097-4BA9-B81C-8FE8D10E85BA}" type="datetimeFigureOut">
               <a:rPr lang="en-US" smtClean="0"/>
-              <a:t>1/4/2021</a:t>
+              <a:t>1/5/2021</a:t>
             </a:fld>
             <a:endParaRPr lang="en-US"/>
           </a:p>
@@ -7718,7 +7718,7 @@
               <a:pPr>
                 <a:defRPr/>
               </a:pPr>
-              <a:t>1/4/2021</a:t>
+              <a:t>1/5/2021</a:t>
             </a:fld>
             <a:endParaRPr lang="en-US"/>
           </a:p>
@@ -8972,7 +8972,7 @@
           <a:p>
             <a:fld id="{7BF7D500-1223-4445-9EB2-2C72C770F9EB}" type="datetimeFigureOut">
               <a:rPr lang="en-US" smtClean="0"/>
-              <a:t>1/4/2021</a:t>
+              <a:t>1/5/2021</a:t>
             </a:fld>
             <a:endParaRPr lang="en-US"/>
           </a:p>
@@ -12558,41 +12558,121 @@
           </a:p>
         </p:txBody>
       </p:sp>
-      <p:pic>
-        <p:nvPicPr>
-          <p:cNvPr id="5" name="Picture 4">
+      <p:grpSp>
+        <p:nvGrpSpPr>
+          <p:cNvPr id="6" name="Group 5">
             <a:extLst>
               <a:ext uri="{FF2B5EF4-FFF2-40B4-BE49-F238E27FC236}">
-                <a16:creationId xmlns:a16="http://schemas.microsoft.com/office/drawing/2014/main" id="{560CC455-3C2D-45CD-9DAF-D4EEE8B8163B}"/>
+                <a16:creationId xmlns:a16="http://schemas.microsoft.com/office/drawing/2014/main" id="{185EABD6-1847-4D51-AA73-8ED00D5EBE43}"/>
               </a:ext>
             </a:extLst>
           </p:cNvPr>
-          <p:cNvPicPr>
-            <a:picLocks noChangeAspect="1"/>
-          </p:cNvPicPr>
+          <p:cNvGrpSpPr/>
           <p:nvPr/>
-        </p:nvPicPr>
-        <p:blipFill>
-          <a:blip r:embed="rId2"/>
-          <a:stretch>
-            <a:fillRect/>
-          </a:stretch>
-        </p:blipFill>
-        <p:spPr>
+        </p:nvGrpSpPr>
+        <p:grpSpPr>
           <a:xfrm>
             <a:off x="702000" y="3048000"/>
             <a:ext cx="7740000" cy="3276600"/>
+            <a:chOff x="702000" y="3048000"/>
+            <a:chExt cx="7740000" cy="3276600"/>
           </a:xfrm>
-          <a:prstGeom prst="rect">
-            <a:avLst/>
-          </a:prstGeom>
-          <a:ln w="15875">
+        </p:grpSpPr>
+        <p:pic>
+          <p:nvPicPr>
+            <p:cNvPr id="5" name="Picture 4">
+              <a:extLst>
+                <a:ext uri="{FF2B5EF4-FFF2-40B4-BE49-F238E27FC236}">
+                  <a16:creationId xmlns:a16="http://schemas.microsoft.com/office/drawing/2014/main" id="{560CC455-3C2D-45CD-9DAF-D4EEE8B8163B}"/>
+                </a:ext>
+              </a:extLst>
+            </p:cNvPr>
+            <p:cNvPicPr>
+              <a:picLocks noChangeAspect="1"/>
+            </p:cNvPicPr>
+            <p:nvPr/>
+          </p:nvPicPr>
+          <p:blipFill>
+            <a:blip r:embed="rId2"/>
+            <a:stretch>
+              <a:fillRect/>
+            </a:stretch>
+          </p:blipFill>
+          <p:spPr>
+            <a:xfrm>
+              <a:off x="702000" y="3048000"/>
+              <a:ext cx="7740000" cy="3276600"/>
+            </a:xfrm>
+            <a:prstGeom prst="rect">
+              <a:avLst/>
+            </a:prstGeom>
+            <a:ln w="15875">
+              <a:solidFill>
+                <a:schemeClr val="accent1"/>
+              </a:solidFill>
+            </a:ln>
+          </p:spPr>
+        </p:pic>
+        <p:sp>
+          <p:nvSpPr>
+            <p:cNvPr id="4" name="Rectangle 3">
+              <a:extLst>
+                <a:ext uri="{FF2B5EF4-FFF2-40B4-BE49-F238E27FC236}">
+                  <a16:creationId xmlns:a16="http://schemas.microsoft.com/office/drawing/2014/main" id="{9CEE727D-A096-44EC-B635-6028A84AFB1F}"/>
+                </a:ext>
+              </a:extLst>
+            </p:cNvPr>
+            <p:cNvSpPr/>
+            <p:nvPr/>
+          </p:nvSpPr>
+          <p:spPr>
+            <a:xfrm>
+              <a:off x="2286000" y="4663440"/>
+              <a:ext cx="228600" cy="228600"/>
+            </a:xfrm>
+            <a:prstGeom prst="rect">
+              <a:avLst/>
+            </a:prstGeom>
             <a:solidFill>
+              <a:schemeClr val="bg1"/>
+            </a:solidFill>
+            <a:ln>
+              <a:noFill/>
+            </a:ln>
+          </p:spPr>
+          <p:style>
+            <a:lnRef idx="2">
+              <a:schemeClr val="accent1">
+                <a:shade val="50000"/>
+              </a:schemeClr>
+            </a:lnRef>
+            <a:fillRef idx="1">
               <a:schemeClr val="accent1"/>
-            </a:solidFill>
-          </a:ln>
-        </p:spPr>
-      </p:pic>
+            </a:fillRef>
+            <a:effectRef idx="0">
+              <a:schemeClr val="accent1"/>
+            </a:effectRef>
+            <a:fontRef idx="minor">
+              <a:schemeClr val="lt1"/>
+            </a:fontRef>
+          </p:style>
+          <p:txBody>
+            <a:bodyPr rtlCol="0" anchor="ctr"/>
+            <a:lstStyle/>
+            <a:p>
+              <a:pPr algn="ctr"/>
+              <a:r>
+                <a:rPr lang="en-US" dirty="0">
+                  <a:solidFill>
+                    <a:schemeClr val="tx1"/>
+                  </a:solidFill>
+                </a:rPr>
+                <a:t>&gt;</a:t>
+              </a:r>
+            </a:p>
+          </p:txBody>
+        </p:sp>
+      </p:grpSp>
     </p:spTree>
     <p:extLst>
       <p:ext uri="{BB962C8B-B14F-4D97-AF65-F5344CB8AC3E}">
@@ -12603,81 +12683,6 @@
   <p:clrMapOvr>
     <a:masterClrMapping/>
   </p:clrMapOvr>
-  <p:timing>
-    <p:tnLst>
-      <p:par>
-        <p:cTn id="1" dur="indefinite" restart="never" nodeType="tmRoot">
-          <p:childTnLst>
-            <p:seq concurrent="1" nextAc="seek">
-              <p:cTn id="2" dur="indefinite" nodeType="mainSeq">
-                <p:childTnLst>
-                  <p:par>
-                    <p:cTn id="3" fill="hold">
-                      <p:stCondLst>
-                        <p:cond delay="indefinite"/>
-                      </p:stCondLst>
-                      <p:childTnLst>
-                        <p:par>
-                          <p:cTn id="4" fill="hold">
-                            <p:stCondLst>
-                              <p:cond delay="0"/>
-                            </p:stCondLst>
-                            <p:childTnLst>
-                              <p:par>
-                                <p:cTn id="5" presetID="1" presetClass="entr" presetSubtype="0" fill="hold" nodeType="clickEffect">
-                                  <p:stCondLst>
-                                    <p:cond delay="0"/>
-                                  </p:stCondLst>
-                                  <p:childTnLst>
-                                    <p:set>
-                                      <p:cBhvr>
-                                        <p:cTn id="6" dur="1" fill="hold">
-                                          <p:stCondLst>
-                                            <p:cond delay="0"/>
-                                          </p:stCondLst>
-                                        </p:cTn>
-                                        <p:tgtEl>
-                                          <p:spTgt spid="5"/>
-                                        </p:tgtEl>
-                                        <p:attrNameLst>
-                                          <p:attrName>style.visibility</p:attrName>
-                                        </p:attrNameLst>
-                                      </p:cBhvr>
-                                      <p:to>
-                                        <p:strVal val="visible"/>
-                                      </p:to>
-                                    </p:set>
-                                  </p:childTnLst>
-                                </p:cTn>
-                              </p:par>
-                            </p:childTnLst>
-                          </p:cTn>
-                        </p:par>
-                      </p:childTnLst>
-                    </p:cTn>
-                  </p:par>
-                </p:childTnLst>
-              </p:cTn>
-              <p:prevCondLst>
-                <p:cond evt="onPrev" delay="0">
-                  <p:tgtEl>
-                    <p:sldTgt/>
-                  </p:tgtEl>
-                </p:cond>
-              </p:prevCondLst>
-              <p:nextCondLst>
-                <p:cond evt="onNext" delay="0">
-                  <p:tgtEl>
-                    <p:sldTgt/>
-                  </p:tgtEl>
-                </p:cond>
-              </p:nextCondLst>
-            </p:seq>
-          </p:childTnLst>
-        </p:cTn>
-      </p:par>
-    </p:tnLst>
-  </p:timing>
 </p:sld>
 </file>
 
@@ -14545,8 +14550,8 @@
           </a:p>
         </p:txBody>
       </p:sp>
-      <mc:AlternateContent xmlns:mc="http://schemas.openxmlformats.org/markup-compatibility/2006">
-        <mc:Choice xmlns:a14="http://schemas.microsoft.com/office/drawing/2010/main" Requires="a14">
+      <mc:AlternateContent xmlns:mc="http://schemas.openxmlformats.org/markup-compatibility/2006" xmlns:a14="http://schemas.microsoft.com/office/drawing/2010/main">
+        <mc:Choice Requires="a14">
           <p:sp>
             <p:nvSpPr>
               <p:cNvPr id="3" name="Content Placeholder 2">
@@ -14678,7 +14683,7 @@
             </p:txBody>
           </p:sp>
         </mc:Choice>
-        <mc:Fallback>
+        <mc:Fallback xmlns="">
           <p:sp>
             <p:nvSpPr>
               <p:cNvPr id="3" name="Content Placeholder 2">
@@ -16382,8 +16387,8 @@
           </a:p>
         </p:txBody>
       </p:sp>
-      <mc:AlternateContent xmlns:mc="http://schemas.openxmlformats.org/markup-compatibility/2006">
-        <mc:Choice xmlns:a14="http://schemas.microsoft.com/office/drawing/2010/main" Requires="a14">
+      <mc:AlternateContent xmlns:mc="http://schemas.openxmlformats.org/markup-compatibility/2006" xmlns:a14="http://schemas.microsoft.com/office/drawing/2010/main">
+        <mc:Choice Requires="a14">
           <p:sp>
             <p:nvSpPr>
               <p:cNvPr id="3" name="Content Placeholder 2">
@@ -16576,7 +16581,7 @@
             </p:txBody>
           </p:sp>
         </mc:Choice>
-        <mc:Fallback>
+        <mc:Fallback xmlns="">
           <p:sp>
             <p:nvSpPr>
               <p:cNvPr id="3" name="Content Placeholder 2">
@@ -16846,8 +16851,8 @@
           </a:p>
         </p:txBody>
       </p:sp>
-      <mc:AlternateContent xmlns:mc="http://schemas.openxmlformats.org/markup-compatibility/2006">
-        <mc:Choice xmlns:a14="http://schemas.microsoft.com/office/drawing/2010/main" Requires="a14">
+      <mc:AlternateContent xmlns:mc="http://schemas.openxmlformats.org/markup-compatibility/2006" xmlns:a14="http://schemas.microsoft.com/office/drawing/2010/main">
+        <mc:Choice Requires="a14">
           <p:sp>
             <p:nvSpPr>
               <p:cNvPr id="3" name="Content Placeholder 2">
@@ -17227,7 +17232,7 @@
             </p:txBody>
           </p:sp>
         </mc:Choice>
-        <mc:Fallback>
+        <mc:Fallback xmlns="">
           <p:sp>
             <p:nvSpPr>
               <p:cNvPr id="3" name="Content Placeholder 2">
@@ -20089,8 +20094,8 @@
           </a:p>
         </p:txBody>
       </p:sp>
-      <mc:AlternateContent xmlns:mc="http://schemas.openxmlformats.org/markup-compatibility/2006">
-        <mc:Choice xmlns:a14="http://schemas.microsoft.com/office/drawing/2010/main" Requires="a14">
+      <mc:AlternateContent xmlns:mc="http://schemas.openxmlformats.org/markup-compatibility/2006" xmlns:a14="http://schemas.microsoft.com/office/drawing/2010/main">
+        <mc:Choice Requires="a14">
           <p:sp>
             <p:nvSpPr>
               <p:cNvPr id="3" name="Content Placeholder 2">
@@ -20503,7 +20508,7 @@
             </p:txBody>
           </p:sp>
         </mc:Choice>
-        <mc:Fallback>
+        <mc:Fallback xmlns="">
           <p:sp>
             <p:nvSpPr>
               <p:cNvPr id="3" name="Content Placeholder 2">
@@ -22625,8 +22630,8 @@
           </a:p>
         </p:txBody>
       </p:sp>
-      <mc:AlternateContent xmlns:mc="http://schemas.openxmlformats.org/markup-compatibility/2006">
-        <mc:Choice xmlns:a14="http://schemas.microsoft.com/office/drawing/2010/main" Requires="a14">
+      <mc:AlternateContent xmlns:mc="http://schemas.openxmlformats.org/markup-compatibility/2006" xmlns:a14="http://schemas.microsoft.com/office/drawing/2010/main">
+        <mc:Choice Requires="a14">
           <p:sp>
             <p:nvSpPr>
               <p:cNvPr id="3" name="Content Placeholder 2">
@@ -22851,7 +22856,7 @@
             </p:txBody>
           </p:sp>
         </mc:Choice>
-        <mc:Fallback>
+        <mc:Fallback xmlns="">
           <p:sp>
             <p:nvSpPr>
               <p:cNvPr id="3" name="Content Placeholder 2">
@@ -24744,8 +24749,8 @@
           </a:p>
         </p:txBody>
       </p:sp>
-      <mc:AlternateContent xmlns:mc="http://schemas.openxmlformats.org/markup-compatibility/2006" xmlns:a14="http://schemas.microsoft.com/office/drawing/2010/main">
-        <mc:Choice Requires="a14">
+      <mc:AlternateContent xmlns:mc="http://schemas.openxmlformats.org/markup-compatibility/2006">
+        <mc:Choice xmlns:a14="http://schemas.microsoft.com/office/drawing/2010/main" Requires="a14">
           <p:sp>
             <p:nvSpPr>
               <p:cNvPr id="3" name="Content Placeholder 2">
@@ -24853,7 +24858,7 @@
                       <a:srgbClr val="700000"/>
                     </a:solidFill>
                   </a:rPr>
-                  <a:t>Feb. 25</a:t>
+                  <a:t>March 4</a:t>
                 </a:r>
                 <a:r>
                   <a:rPr lang="en-US" baseline="30000" dirty="0">
@@ -24882,12 +24887,8 @@
               <a:p>
                 <a:pPr lvl="1"/>
                 <a:r>
-                  <a:rPr lang="en-US" dirty="0" err="1"/>
-                  <a:t>Redepmtion</a:t>
-                </a:r>
-                <a:r>
                   <a:rPr lang="en-US" dirty="0"/>
-                  <a:t> midterms </a:t>
+                  <a:t>Redemption midterms </a:t>
                 </a:r>
               </a:p>
               <a:p>
@@ -24934,7 +24935,7 @@
             </p:txBody>
           </p:sp>
         </mc:Choice>
-        <mc:Fallback xmlns="">
+        <mc:Fallback>
           <p:sp>
             <p:nvSpPr>
               <p:cNvPr id="3" name="Content Placeholder 2">
